--- a/C#스터디/c# 스터디 1주 차.pptx
+++ b/C#스터디/c# 스터디 1주 차.pptx
@@ -3332,7 +3332,7 @@
           <a:p>
             <a:fld id="{7C90EEF3-85AA-4A0F-A388-8693DEDCA294}" type="datetimeFigureOut">
               <a:rPr lang="ko-KR" altLang="en-US" smtClean="0"/>
-              <a:t>2020-04-11</a:t>
+              <a:t>2021-01-17</a:t>
             </a:fld>
             <a:endParaRPr lang="ko-KR" altLang="en-US"/>
           </a:p>
@@ -4514,7 +4514,7 @@
           <a:p>
             <a:fld id="{4E94162F-4773-4077-AA99-7762C3C9E76E}" type="datetimeFigureOut">
               <a:rPr lang="ko-KR" altLang="en-US" smtClean="0"/>
-              <a:t>2020-04-11</a:t>
+              <a:t>2021-01-17</a:t>
             </a:fld>
             <a:endParaRPr lang="ko-KR" altLang="en-US"/>
           </a:p>
@@ -4712,7 +4712,7 @@
           <a:p>
             <a:fld id="{4E94162F-4773-4077-AA99-7762C3C9E76E}" type="datetimeFigureOut">
               <a:rPr lang="ko-KR" altLang="en-US" smtClean="0"/>
-              <a:t>2020-04-11</a:t>
+              <a:t>2021-01-17</a:t>
             </a:fld>
             <a:endParaRPr lang="ko-KR" altLang="en-US"/>
           </a:p>
@@ -4920,7 +4920,7 @@
           <a:p>
             <a:fld id="{4E94162F-4773-4077-AA99-7762C3C9E76E}" type="datetimeFigureOut">
               <a:rPr lang="ko-KR" altLang="en-US" smtClean="0"/>
-              <a:t>2020-04-11</a:t>
+              <a:t>2021-01-17</a:t>
             </a:fld>
             <a:endParaRPr lang="ko-KR" altLang="en-US"/>
           </a:p>
@@ -5118,7 +5118,7 @@
           <a:p>
             <a:fld id="{4E94162F-4773-4077-AA99-7762C3C9E76E}" type="datetimeFigureOut">
               <a:rPr lang="ko-KR" altLang="en-US" smtClean="0"/>
-              <a:t>2020-04-11</a:t>
+              <a:t>2021-01-17</a:t>
             </a:fld>
             <a:endParaRPr lang="ko-KR" altLang="en-US"/>
           </a:p>
@@ -5393,7 +5393,7 @@
           <a:p>
             <a:fld id="{4E94162F-4773-4077-AA99-7762C3C9E76E}" type="datetimeFigureOut">
               <a:rPr lang="ko-KR" altLang="en-US" smtClean="0"/>
-              <a:t>2020-04-11</a:t>
+              <a:t>2021-01-17</a:t>
             </a:fld>
             <a:endParaRPr lang="ko-KR" altLang="en-US"/>
           </a:p>
@@ -5658,7 +5658,7 @@
           <a:p>
             <a:fld id="{4E94162F-4773-4077-AA99-7762C3C9E76E}" type="datetimeFigureOut">
               <a:rPr lang="ko-KR" altLang="en-US" smtClean="0"/>
-              <a:t>2020-04-11</a:t>
+              <a:t>2021-01-17</a:t>
             </a:fld>
             <a:endParaRPr lang="ko-KR" altLang="en-US"/>
           </a:p>
@@ -6070,7 +6070,7 @@
           <a:p>
             <a:fld id="{4E94162F-4773-4077-AA99-7762C3C9E76E}" type="datetimeFigureOut">
               <a:rPr lang="ko-KR" altLang="en-US" smtClean="0"/>
-              <a:t>2020-04-11</a:t>
+              <a:t>2021-01-17</a:t>
             </a:fld>
             <a:endParaRPr lang="ko-KR" altLang="en-US"/>
           </a:p>
@@ -6211,7 +6211,7 @@
           <a:p>
             <a:fld id="{4E94162F-4773-4077-AA99-7762C3C9E76E}" type="datetimeFigureOut">
               <a:rPr lang="ko-KR" altLang="en-US" smtClean="0"/>
-              <a:t>2020-04-11</a:t>
+              <a:t>2021-01-17</a:t>
             </a:fld>
             <a:endParaRPr lang="ko-KR" altLang="en-US"/>
           </a:p>
@@ -6324,7 +6324,7 @@
           <a:p>
             <a:fld id="{4E94162F-4773-4077-AA99-7762C3C9E76E}" type="datetimeFigureOut">
               <a:rPr lang="ko-KR" altLang="en-US" smtClean="0"/>
-              <a:t>2020-04-11</a:t>
+              <a:t>2021-01-17</a:t>
             </a:fld>
             <a:endParaRPr lang="ko-KR" altLang="en-US"/>
           </a:p>
@@ -6635,7 +6635,7 @@
           <a:p>
             <a:fld id="{4E94162F-4773-4077-AA99-7762C3C9E76E}" type="datetimeFigureOut">
               <a:rPr lang="ko-KR" altLang="en-US" smtClean="0"/>
-              <a:t>2020-04-11</a:t>
+              <a:t>2021-01-17</a:t>
             </a:fld>
             <a:endParaRPr lang="ko-KR" altLang="en-US"/>
           </a:p>
@@ -6923,7 +6923,7 @@
           <a:p>
             <a:fld id="{4E94162F-4773-4077-AA99-7762C3C9E76E}" type="datetimeFigureOut">
               <a:rPr lang="ko-KR" altLang="en-US" smtClean="0"/>
-              <a:t>2020-04-11</a:t>
+              <a:t>2021-01-17</a:t>
             </a:fld>
             <a:endParaRPr lang="ko-KR" altLang="en-US"/>
           </a:p>
@@ -7164,7 +7164,7 @@
           <a:p>
             <a:fld id="{4E94162F-4773-4077-AA99-7762C3C9E76E}" type="datetimeFigureOut">
               <a:rPr lang="ko-KR" altLang="en-US" smtClean="0"/>
-              <a:t>2020-04-11</a:t>
+              <a:t>2021-01-17</a:t>
             </a:fld>
             <a:endParaRPr lang="ko-KR" altLang="en-US"/>
           </a:p>
@@ -24262,7 +24262,7 @@
               </a:spcBef>
             </a:pPr>
             <a:r>
-              <a:rPr lang="ko-KR" altLang="en-US" sz="2400" kern="1200">
+              <a:rPr lang="ko-KR" altLang="en-US" sz="2400" kern="1200" dirty="0" err="1">
                 <a:solidFill>
                   <a:schemeClr val="tx1"/>
                 </a:solidFill>
@@ -24273,7 +24273,7 @@
               <a:t>구글링</a:t>
             </a:r>
             <a:r>
-              <a:rPr lang="en-US" altLang="ko-KR" sz="2400" kern="1200">
+              <a:rPr lang="en-US" altLang="ko-KR" sz="2400" kern="1200" dirty="0">
                 <a:solidFill>
                   <a:schemeClr val="tx1"/>
                 </a:solidFill>
@@ -24284,7 +24284,7 @@
               <a:t> </a:t>
             </a:r>
             <a:r>
-              <a:rPr lang="ko-KR" altLang="en-US" sz="2400" kern="1200">
+              <a:rPr lang="ko-KR" altLang="en-US" sz="2400" kern="1200" dirty="0">
                 <a:solidFill>
                   <a:schemeClr val="tx1"/>
                 </a:solidFill>
